--- a/第二次進度報告.pptx
+++ b/第二次進度報告.pptx
@@ -4630,38 +4630,6 @@
           </a:p>
         </p:txBody>
       </p:sp>
-      <p:pic>
-        <p:nvPicPr>
-          <p:cNvPr id="4" name="內容版面配置區 3">
-            <a:extLst>
-              <a:ext uri="{FF2B5EF4-FFF2-40B4-BE49-F238E27FC236}">
-                <a16:creationId xmlns:a16="http://schemas.microsoft.com/office/drawing/2014/main" id="{90196895-3350-4A84-9320-519D19F386FA}"/>
-              </a:ext>
-            </a:extLst>
-          </p:cNvPr>
-          <p:cNvPicPr>
-            <a:picLocks noGrp="1" noChangeAspect="1"/>
-          </p:cNvPicPr>
-          <p:nvPr>
-            <p:ph idx="1"/>
-          </p:nvPr>
-        </p:nvPicPr>
-        <p:blipFill>
-          <a:blip r:embed="rId2"/>
-          <a:stretch>
-            <a:fillRect/>
-          </a:stretch>
-        </p:blipFill>
-        <p:spPr>
-          <a:xfrm>
-            <a:off x="6225444" y="2686636"/>
-            <a:ext cx="5809418" cy="3026651"/>
-          </a:xfrm>
-          <a:prstGeom prst="rect">
-            <a:avLst/>
-          </a:prstGeom>
-        </p:spPr>
-      </p:pic>
       <p:sp>
         <p:nvSpPr>
           <p:cNvPr id="5" name="矩形 4">
@@ -4731,7 +4699,7 @@
           <p:nvPr/>
         </p:nvPicPr>
         <p:blipFill>
-          <a:blip r:embed="rId3"/>
+          <a:blip r:embed="rId2"/>
           <a:stretch>
             <a:fillRect/>
           </a:stretch>
@@ -4860,7 +4828,7 @@
             </a:r>
             <a:r>
               <a:rPr lang="en-US" altLang="zh-TW" dirty="0">
-                <a:hlinkClick r:id="rId4"/>
+                <a:hlinkClick r:id="rId3"/>
               </a:rPr>
               <a:t>https://github.com/p314008dsa/Text-mining/tree/master/Model</a:t>
             </a:r>
@@ -4868,6 +4836,36 @@
           </a:p>
         </p:txBody>
       </p:sp>
+      <p:pic>
+        <p:nvPicPr>
+          <p:cNvPr id="12" name="圖片 11">
+            <a:extLst>
+              <a:ext uri="{FF2B5EF4-FFF2-40B4-BE49-F238E27FC236}">
+                <a16:creationId xmlns:a16="http://schemas.microsoft.com/office/drawing/2014/main" id="{4DA2EAFC-A518-4FB4-BC23-E9E6A75C8EF2}"/>
+              </a:ext>
+            </a:extLst>
+          </p:cNvPr>
+          <p:cNvPicPr>
+            <a:picLocks noChangeAspect="1"/>
+          </p:cNvPicPr>
+          <p:nvPr/>
+        </p:nvPicPr>
+        <p:blipFill>
+          <a:blip r:embed="rId4"/>
+          <a:stretch>
+            <a:fillRect/>
+          </a:stretch>
+        </p:blipFill>
+        <p:spPr>
+          <a:xfrm>
+            <a:off x="6192584" y="2686636"/>
+            <a:ext cx="5809981" cy="3026650"/>
+          </a:xfrm>
+          <a:prstGeom prst="rect">
+            <a:avLst/>
+          </a:prstGeom>
+        </p:spPr>
+      </p:pic>
     </p:spTree>
     <p:extLst>
       <p:ext uri="{BB962C8B-B14F-4D97-AF65-F5344CB8AC3E}">
